--- a/other/毕设/毕设论文/概念模型.pptx
+++ b/other/毕设/毕设论文/概念模型.pptx
@@ -6,11 +6,12 @@
   </p:sldMasterIdLst>
   <p:sldIdLst>
     <p:sldId id="256" r:id="rId3"/>
+    <p:sldId id="257" r:id="rId4"/>
   </p:sldIdLst>
   <p:sldSz cx="12192000" cy="6858000"/>
   <p:notesSz cx="6858000" cy="9144000"/>
   <p:custDataLst>
-    <p:tags r:id="rId7"/>
+    <p:tags r:id="rId8"/>
   </p:custDataLst>
   <p:defaultTextStyle>
     <a:defPPr>
@@ -2917,6 +2918,1042 @@
         <p:nvPr/>
       </p:nvGrpSpPr>
       <p:grpSpPr/>
+      <p:grpSp>
+        <p:nvGrpSpPr>
+          <p:cNvPr id="6" name="组合 5"/>
+          <p:cNvGrpSpPr/>
+          <p:nvPr/>
+        </p:nvGrpSpPr>
+        <p:grpSpPr>
+          <a:xfrm>
+            <a:off x="436245" y="280035"/>
+            <a:ext cx="3941445" cy="2034540"/>
+            <a:chOff x="1328" y="1722"/>
+            <a:chExt cx="6207" cy="3204"/>
+          </a:xfrm>
+        </p:grpSpPr>
+        <p:grpSp>
+          <p:nvGrpSpPr>
+            <p:cNvPr id="4" name="组合 3"/>
+            <p:cNvGrpSpPr/>
+            <p:nvPr/>
+          </p:nvGrpSpPr>
+          <p:grpSpPr>
+            <a:xfrm>
+              <a:off x="1328" y="1722"/>
+              <a:ext cx="6207" cy="3204"/>
+              <a:chOff x="1112" y="1572"/>
+              <a:chExt cx="6207" cy="3204"/>
+            </a:xfrm>
+          </p:grpSpPr>
+          <p:sp>
+            <p:nvSpPr>
+              <p:cNvPr id="2" name="矩形 1"/>
+              <p:cNvSpPr/>
+              <p:nvPr/>
+            </p:nvSpPr>
+            <p:spPr>
+              <a:xfrm>
+                <a:off x="1112" y="1572"/>
+                <a:ext cx="6199" cy="3204"/>
+              </a:xfrm>
+              <a:prstGeom prst="rect">
+                <a:avLst/>
+              </a:prstGeom>
+            </p:spPr>
+            <p:style>
+              <a:lnRef idx="2">
+                <a:schemeClr val="dk1"/>
+              </a:lnRef>
+              <a:fillRef idx="1">
+                <a:schemeClr val="lt1"/>
+              </a:fillRef>
+              <a:effectRef idx="0">
+                <a:schemeClr val="dk1"/>
+              </a:effectRef>
+              <a:fontRef idx="minor">
+                <a:schemeClr val="dk1"/>
+              </a:fontRef>
+            </p:style>
+            <p:txBody>
+              <a:bodyPr rtlCol="0" anchor="ctr"/>
+              <a:p>
+                <a:pPr algn="ctr"/>
+                <a:endParaRPr lang="zh-CN" altLang="en-US" sz="1400"/>
+              </a:p>
+            </p:txBody>
+          </p:sp>
+          <p:cxnSp>
+            <p:nvCxnSpPr>
+              <p:cNvPr id="3" name="直接连接符 2"/>
+              <p:cNvCxnSpPr/>
+              <p:nvPr/>
+            </p:nvCxnSpPr>
+            <p:spPr>
+              <a:xfrm flipV="1">
+                <a:off x="1121" y="2137"/>
+                <a:ext cx="6198" cy="25"/>
+              </a:xfrm>
+              <a:prstGeom prst="line">
+                <a:avLst/>
+              </a:prstGeom>
+            </p:spPr>
+            <p:style>
+              <a:lnRef idx="1">
+                <a:schemeClr val="dk1"/>
+              </a:lnRef>
+              <a:fillRef idx="0">
+                <a:schemeClr val="dk1"/>
+              </a:fillRef>
+              <a:effectRef idx="0">
+                <a:schemeClr val="dk1"/>
+              </a:effectRef>
+              <a:fontRef idx="minor">
+                <a:schemeClr val="tx1"/>
+              </a:fontRef>
+            </p:style>
+          </p:cxnSp>
+        </p:grpSp>
+        <p:sp>
+          <p:nvSpPr>
+            <p:cNvPr id="5" name="文本框 4"/>
+            <p:cNvSpPr txBox="1"/>
+            <p:nvPr/>
+          </p:nvSpPr>
+          <p:spPr>
+            <a:xfrm>
+              <a:off x="3467" y="1722"/>
+              <a:ext cx="1922" cy="483"/>
+            </a:xfrm>
+            <a:prstGeom prst="rect">
+              <a:avLst/>
+            </a:prstGeom>
+            <a:noFill/>
+          </p:spPr>
+          <p:txBody>
+            <a:bodyPr wrap="square" rtlCol="0">
+              <a:spAutoFit/>
+            </a:bodyPr>
+            <a:p>
+              <a:pPr algn="ctr"/>
+              <a:r>
+                <a:rPr lang="zh-CN" altLang="en-US" sz="1400"/>
+                <a:t>用户账户</a:t>
+              </a:r>
+              <a:endParaRPr lang="zh-CN" altLang="en-US" sz="1400"/>
+            </a:p>
+          </p:txBody>
+        </p:sp>
+      </p:grpSp>
+      <p:grpSp>
+        <p:nvGrpSpPr>
+          <p:cNvPr id="7" name="组合 6"/>
+          <p:cNvGrpSpPr/>
+          <p:nvPr/>
+        </p:nvGrpSpPr>
+        <p:grpSpPr>
+          <a:xfrm>
+            <a:off x="6794920" y="3578983"/>
+            <a:ext cx="4984922" cy="2804795"/>
+            <a:chOff x="1289" y="1741"/>
+            <a:chExt cx="6238" cy="3204"/>
+          </a:xfrm>
+        </p:grpSpPr>
+        <p:grpSp>
+          <p:nvGrpSpPr>
+            <p:cNvPr id="8" name="组合 7"/>
+            <p:cNvGrpSpPr/>
+            <p:nvPr/>
+          </p:nvGrpSpPr>
+          <p:grpSpPr>
+            <a:xfrm>
+              <a:off x="1289" y="1741"/>
+              <a:ext cx="6238" cy="3204"/>
+              <a:chOff x="1073" y="1591"/>
+              <a:chExt cx="6238" cy="3204"/>
+            </a:xfrm>
+          </p:grpSpPr>
+          <p:sp>
+            <p:nvSpPr>
+              <p:cNvPr id="9" name="矩形 8"/>
+              <p:cNvSpPr/>
+              <p:nvPr/>
+            </p:nvSpPr>
+            <p:spPr>
+              <a:xfrm>
+                <a:off x="1073" y="1591"/>
+                <a:ext cx="6199" cy="3204"/>
+              </a:xfrm>
+              <a:prstGeom prst="rect">
+                <a:avLst/>
+              </a:prstGeom>
+            </p:spPr>
+            <p:style>
+              <a:lnRef idx="2">
+                <a:schemeClr val="dk1"/>
+              </a:lnRef>
+              <a:fillRef idx="1">
+                <a:schemeClr val="lt1"/>
+              </a:fillRef>
+              <a:effectRef idx="0">
+                <a:schemeClr val="dk1"/>
+              </a:effectRef>
+              <a:fontRef idx="minor">
+                <a:schemeClr val="dk1"/>
+              </a:fontRef>
+            </p:style>
+            <p:txBody>
+              <a:bodyPr rtlCol="0" anchor="ctr"/>
+              <a:p>
+                <a:pPr algn="ctr"/>
+                <a:endParaRPr lang="zh-CN" altLang="en-US" sz="1400"/>
+              </a:p>
+            </p:txBody>
+          </p:sp>
+          <p:cxnSp>
+            <p:nvCxnSpPr>
+              <p:cNvPr id="10" name="直接连接符 9"/>
+              <p:cNvCxnSpPr/>
+              <p:nvPr/>
+            </p:nvCxnSpPr>
+            <p:spPr>
+              <a:xfrm flipV="1">
+                <a:off x="1073" y="2059"/>
+                <a:ext cx="6238" cy="1"/>
+              </a:xfrm>
+              <a:prstGeom prst="line">
+                <a:avLst/>
+              </a:prstGeom>
+            </p:spPr>
+            <p:style>
+              <a:lnRef idx="1">
+                <a:schemeClr val="dk1"/>
+              </a:lnRef>
+              <a:fillRef idx="0">
+                <a:schemeClr val="dk1"/>
+              </a:fillRef>
+              <a:effectRef idx="0">
+                <a:schemeClr val="dk1"/>
+              </a:effectRef>
+              <a:fontRef idx="minor">
+                <a:schemeClr val="tx1"/>
+              </a:fontRef>
+            </p:style>
+          </p:cxnSp>
+        </p:grpSp>
+        <p:sp>
+          <p:nvSpPr>
+            <p:cNvPr id="11" name="文本框 10"/>
+            <p:cNvSpPr txBox="1"/>
+            <p:nvPr/>
+          </p:nvSpPr>
+          <p:spPr>
+            <a:xfrm>
+              <a:off x="3586" y="1788"/>
+              <a:ext cx="1606" cy="350"/>
+            </a:xfrm>
+            <a:prstGeom prst="rect">
+              <a:avLst/>
+            </a:prstGeom>
+            <a:noFill/>
+          </p:spPr>
+          <p:txBody>
+            <a:bodyPr wrap="square" rtlCol="0">
+              <a:spAutoFit/>
+            </a:bodyPr>
+            <a:p>
+              <a:pPr algn="ctr"/>
+              <a:r>
+                <a:rPr lang="zh-CN" altLang="en-US" sz="1400"/>
+                <a:t>视频信息</a:t>
+              </a:r>
+              <a:endParaRPr lang="zh-CN" altLang="en-US" sz="1400"/>
+            </a:p>
+          </p:txBody>
+        </p:sp>
+      </p:grpSp>
+      <p:sp>
+        <p:nvSpPr>
+          <p:cNvPr id="12" name="文本框 11"/>
+          <p:cNvSpPr txBox="1"/>
+          <p:nvPr/>
+        </p:nvSpPr>
+        <p:spPr>
+          <a:xfrm>
+            <a:off x="6962140" y="4120515"/>
+            <a:ext cx="3566160" cy="1296670"/>
+          </a:xfrm>
+          <a:prstGeom prst="rect">
+            <a:avLst/>
+          </a:prstGeom>
+          <a:noFill/>
+        </p:spPr>
+        <p:txBody>
+          <a:bodyPr wrap="square" rtlCol="0">
+            <a:spAutoFit/>
+          </a:bodyPr>
+          <a:p>
+            <a:pPr>
+              <a:lnSpc>
+                <a:spcPct val="140000"/>
+              </a:lnSpc>
+            </a:pPr>
+            <a:r>
+              <a:rPr lang="zh-CN" altLang="en-US" sz="1400"/>
+              <a:t>视频编号：</a:t>
+            </a:r>
+            <a:r>
+              <a:rPr lang="en-US" altLang="zh-CN" sz="1400"/>
+              <a:t>Interger</a:t>
+            </a:r>
+            <a:endParaRPr lang="en-US" altLang="zh-CN" sz="1400"/>
+          </a:p>
+          <a:p>
+            <a:pPr>
+              <a:lnSpc>
+                <a:spcPct val="140000"/>
+              </a:lnSpc>
+            </a:pPr>
+            <a:r>
+              <a:rPr lang="zh-CN" altLang="en-US" sz="1400"/>
+              <a:t>图片路径：</a:t>
+            </a:r>
+            <a:r>
+              <a:rPr lang="en-US" altLang="zh-CN" sz="1400">
+                <a:sym typeface="+mn-ea"/>
+              </a:rPr>
+              <a:t>Variable characters(255)</a:t>
+            </a:r>
+            <a:endParaRPr lang="zh-CN" altLang="en-US" sz="1400"/>
+          </a:p>
+          <a:p>
+            <a:pPr>
+              <a:lnSpc>
+                <a:spcPct val="140000"/>
+              </a:lnSpc>
+            </a:pPr>
+            <a:r>
+              <a:rPr lang="zh-CN" altLang="en-US" sz="1400"/>
+              <a:t>视频路径：</a:t>
+            </a:r>
+            <a:r>
+              <a:rPr lang="en-US" altLang="zh-CN" sz="1400">
+                <a:sym typeface="+mn-ea"/>
+              </a:rPr>
+              <a:t>Variable characters(255)</a:t>
+            </a:r>
+            <a:endParaRPr lang="zh-CN" altLang="en-US" sz="1400"/>
+          </a:p>
+          <a:p>
+            <a:pPr>
+              <a:lnSpc>
+                <a:spcPct val="140000"/>
+              </a:lnSpc>
+            </a:pPr>
+            <a:r>
+              <a:rPr lang="zh-CN" altLang="en-US" sz="1400"/>
+              <a:t>播放次数：</a:t>
+            </a:r>
+            <a:r>
+              <a:rPr lang="en-US" altLang="zh-CN" sz="1400">
+                <a:sym typeface="+mn-ea"/>
+              </a:rPr>
+              <a:t>Variable characters(255)</a:t>
+            </a:r>
+            <a:endParaRPr lang="zh-CN" altLang="en-US" sz="1400"/>
+          </a:p>
+        </p:txBody>
+      </p:sp>
+      <p:grpSp>
+        <p:nvGrpSpPr>
+          <p:cNvPr id="21" name="组合 20"/>
+          <p:cNvGrpSpPr/>
+          <p:nvPr/>
+        </p:nvGrpSpPr>
+        <p:grpSpPr>
+          <a:xfrm>
+            <a:off x="864235" y="3772535"/>
+            <a:ext cx="3327400" cy="1738630"/>
+            <a:chOff x="904" y="4427"/>
+            <a:chExt cx="5240" cy="2738"/>
+          </a:xfrm>
+        </p:grpSpPr>
+        <p:grpSp>
+          <p:nvGrpSpPr>
+            <p:cNvPr id="13" name="组合 12"/>
+            <p:cNvGrpSpPr/>
+            <p:nvPr/>
+          </p:nvGrpSpPr>
+          <p:grpSpPr>
+            <a:xfrm>
+              <a:off x="904" y="4427"/>
+              <a:ext cx="5241" cy="2738"/>
+              <a:chOff x="1329" y="1722"/>
+              <a:chExt cx="6206" cy="3204"/>
+            </a:xfrm>
+          </p:grpSpPr>
+          <p:grpSp>
+            <p:nvGrpSpPr>
+              <p:cNvPr id="14" name="组合 13"/>
+              <p:cNvGrpSpPr/>
+              <p:nvPr/>
+            </p:nvGrpSpPr>
+            <p:grpSpPr>
+              <a:xfrm>
+                <a:off x="1329" y="1722"/>
+                <a:ext cx="6206" cy="3204"/>
+                <a:chOff x="1113" y="1572"/>
+                <a:chExt cx="6206" cy="3204"/>
+              </a:xfrm>
+            </p:grpSpPr>
+            <p:sp>
+              <p:nvSpPr>
+                <p:cNvPr id="15" name="矩形 14"/>
+                <p:cNvSpPr/>
+                <p:nvPr/>
+              </p:nvSpPr>
+              <p:spPr>
+                <a:xfrm>
+                  <a:off x="1113" y="1572"/>
+                  <a:ext cx="6199" cy="3204"/>
+                </a:xfrm>
+                <a:prstGeom prst="rect">
+                  <a:avLst/>
+                </a:prstGeom>
+              </p:spPr>
+              <p:style>
+                <a:lnRef idx="2">
+                  <a:schemeClr val="dk1"/>
+                </a:lnRef>
+                <a:fillRef idx="1">
+                  <a:schemeClr val="lt1"/>
+                </a:fillRef>
+                <a:effectRef idx="0">
+                  <a:schemeClr val="dk1"/>
+                </a:effectRef>
+                <a:fontRef idx="minor">
+                  <a:schemeClr val="dk1"/>
+                </a:fontRef>
+              </p:style>
+              <p:txBody>
+                <a:bodyPr rtlCol="0" anchor="ctr"/>
+                <a:p>
+                  <a:pPr algn="ctr"/>
+                  <a:endParaRPr lang="zh-CN" altLang="en-US" sz="1400"/>
+                </a:p>
+              </p:txBody>
+            </p:sp>
+            <p:cxnSp>
+              <p:nvCxnSpPr>
+                <p:cNvPr id="16" name="直接连接符 15"/>
+                <p:cNvCxnSpPr/>
+                <p:nvPr/>
+              </p:nvCxnSpPr>
+              <p:spPr>
+                <a:xfrm flipV="1">
+                  <a:off x="1121" y="2137"/>
+                  <a:ext cx="6198" cy="25"/>
+                </a:xfrm>
+                <a:prstGeom prst="line">
+                  <a:avLst/>
+                </a:prstGeom>
+              </p:spPr>
+              <p:style>
+                <a:lnRef idx="1">
+                  <a:schemeClr val="dk1"/>
+                </a:lnRef>
+                <a:fillRef idx="0">
+                  <a:schemeClr val="dk1"/>
+                </a:fillRef>
+                <a:effectRef idx="0">
+                  <a:schemeClr val="dk1"/>
+                </a:effectRef>
+                <a:fontRef idx="minor">
+                  <a:schemeClr val="tx1"/>
+                </a:fontRef>
+              </p:style>
+            </p:cxnSp>
+          </p:grpSp>
+          <p:sp>
+            <p:nvSpPr>
+              <p:cNvPr id="17" name="文本框 16"/>
+              <p:cNvSpPr txBox="1"/>
+              <p:nvPr/>
+            </p:nvSpPr>
+            <p:spPr>
+              <a:xfrm>
+                <a:off x="3467" y="1722"/>
+                <a:ext cx="1922" cy="565"/>
+              </a:xfrm>
+              <a:prstGeom prst="rect">
+                <a:avLst/>
+              </a:prstGeom>
+              <a:noFill/>
+            </p:spPr>
+            <p:txBody>
+              <a:bodyPr wrap="square" rtlCol="0">
+                <a:spAutoFit/>
+              </a:bodyPr>
+              <a:p>
+                <a:pPr algn="ctr"/>
+                <a:r>
+                  <a:rPr lang="zh-CN" altLang="en-US" sz="1400"/>
+                  <a:t>上传</a:t>
+                </a:r>
+                <a:endParaRPr lang="zh-CN" altLang="en-US" sz="1400"/>
+              </a:p>
+            </p:txBody>
+          </p:sp>
+        </p:grpSp>
+        <p:sp>
+          <p:nvSpPr>
+            <p:cNvPr id="19" name="文本框 18"/>
+            <p:cNvSpPr txBox="1"/>
+            <p:nvPr/>
+          </p:nvSpPr>
+          <p:spPr>
+            <a:xfrm>
+              <a:off x="1096" y="5000"/>
+              <a:ext cx="4642" cy="1093"/>
+            </a:xfrm>
+            <a:prstGeom prst="rect">
+              <a:avLst/>
+            </a:prstGeom>
+            <a:noFill/>
+          </p:spPr>
+          <p:txBody>
+            <a:bodyPr wrap="square" rtlCol="0">
+              <a:spAutoFit/>
+            </a:bodyPr>
+            <a:p>
+              <a:pPr>
+                <a:lnSpc>
+                  <a:spcPct val="140000"/>
+                </a:lnSpc>
+              </a:pPr>
+              <a:r>
+                <a:rPr lang="zh-CN" altLang="en-US" sz="1400"/>
+                <a:t>上传时间：</a:t>
+              </a:r>
+              <a:r>
+                <a:rPr lang="en-US" altLang="zh-CN" sz="1400"/>
+                <a:t>Datatime</a:t>
+              </a:r>
+              <a:endParaRPr lang="zh-CN" altLang="en-US" sz="1400"/>
+            </a:p>
+            <a:p>
+              <a:pPr>
+                <a:lnSpc>
+                  <a:spcPct val="140000"/>
+                </a:lnSpc>
+              </a:pPr>
+              <a:r>
+                <a:rPr lang="zh-CN" altLang="en-US" sz="1400"/>
+                <a:t>更新时间：</a:t>
+              </a:r>
+              <a:r>
+                <a:rPr lang="en-US" altLang="zh-CN" sz="1400"/>
+                <a:t>Datatime</a:t>
+              </a:r>
+              <a:endParaRPr lang="en-US" altLang="zh-CN" sz="1400"/>
+            </a:p>
+          </p:txBody>
+        </p:sp>
+      </p:grpSp>
+      <p:sp>
+        <p:nvSpPr>
+          <p:cNvPr id="20" name="文本框 19"/>
+          <p:cNvSpPr txBox="1"/>
+          <p:nvPr/>
+        </p:nvSpPr>
+        <p:spPr>
+          <a:xfrm>
+            <a:off x="574040" y="654685"/>
+            <a:ext cx="3566160" cy="1598295"/>
+          </a:xfrm>
+          <a:prstGeom prst="rect">
+            <a:avLst/>
+          </a:prstGeom>
+          <a:noFill/>
+        </p:spPr>
+        <p:txBody>
+          <a:bodyPr wrap="square" rtlCol="0">
+            <a:spAutoFit/>
+          </a:bodyPr>
+          <a:p>
+            <a:pPr>
+              <a:lnSpc>
+                <a:spcPct val="140000"/>
+              </a:lnSpc>
+            </a:pPr>
+            <a:r>
+              <a:rPr lang="zh-CN" altLang="en-US" sz="1400"/>
+              <a:t>用户</a:t>
+            </a:r>
+            <a:r>
+              <a:rPr lang="en-US" altLang="zh-CN" sz="1400"/>
+              <a:t>id</a:t>
+            </a:r>
+            <a:r>
+              <a:rPr lang="zh-CN" altLang="en-US" sz="1400"/>
+              <a:t>：</a:t>
+            </a:r>
+            <a:r>
+              <a:rPr lang="en-US" altLang="zh-CN" sz="1400"/>
+              <a:t>Interger</a:t>
+            </a:r>
+            <a:endParaRPr lang="en-US" altLang="zh-CN" sz="1400"/>
+          </a:p>
+          <a:p>
+            <a:pPr>
+              <a:lnSpc>
+                <a:spcPct val="140000"/>
+              </a:lnSpc>
+            </a:pPr>
+            <a:r>
+              <a:rPr lang="zh-CN" altLang="en-US" sz="1400"/>
+              <a:t>用户名：</a:t>
+            </a:r>
+            <a:r>
+              <a:rPr lang="en-US" altLang="zh-CN" sz="1400"/>
+              <a:t>Variable characters(255)</a:t>
+            </a:r>
+            <a:endParaRPr lang="en-US" altLang="zh-CN" sz="1400"/>
+          </a:p>
+          <a:p>
+            <a:pPr>
+              <a:lnSpc>
+                <a:spcPct val="140000"/>
+              </a:lnSpc>
+            </a:pPr>
+            <a:r>
+              <a:rPr lang="zh-CN" altLang="en-US" sz="1400">
+                <a:sym typeface="+mn-ea"/>
+              </a:rPr>
+              <a:t>密码：</a:t>
+            </a:r>
+            <a:r>
+              <a:rPr lang="en-US" altLang="zh-CN" sz="1400">
+                <a:sym typeface="+mn-ea"/>
+              </a:rPr>
+              <a:t>Variable characters(255)</a:t>
+            </a:r>
+            <a:endParaRPr lang="en-US" altLang="zh-CN" sz="1400">
+              <a:sym typeface="+mn-ea"/>
+            </a:endParaRPr>
+          </a:p>
+          <a:p>
+            <a:pPr>
+              <a:lnSpc>
+                <a:spcPct val="140000"/>
+              </a:lnSpc>
+            </a:pPr>
+            <a:r>
+              <a:rPr lang="zh-CN" altLang="en-US" sz="1400">
+                <a:sym typeface="+mn-ea"/>
+              </a:rPr>
+              <a:t>用户状态：</a:t>
+            </a:r>
+            <a:r>
+              <a:rPr lang="en-US" altLang="zh-CN" sz="1400">
+                <a:sym typeface="+mn-ea"/>
+              </a:rPr>
+              <a:t>Interger</a:t>
+            </a:r>
+            <a:endParaRPr lang="zh-CN" altLang="en-US" sz="1400"/>
+          </a:p>
+          <a:p>
+            <a:pPr>
+              <a:lnSpc>
+                <a:spcPct val="140000"/>
+              </a:lnSpc>
+            </a:pPr>
+            <a:endParaRPr lang="zh-CN" altLang="en-US" sz="1400"/>
+          </a:p>
+        </p:txBody>
+      </p:sp>
+      <p:grpSp>
+        <p:nvGrpSpPr>
+          <p:cNvPr id="22" name="组合 21"/>
+          <p:cNvGrpSpPr/>
+          <p:nvPr/>
+        </p:nvGrpSpPr>
+        <p:grpSpPr>
+          <a:xfrm>
+            <a:off x="6615215" y="239518"/>
+            <a:ext cx="4984922" cy="2804795"/>
+            <a:chOff x="1289" y="1741"/>
+            <a:chExt cx="6238" cy="3204"/>
+          </a:xfrm>
+        </p:grpSpPr>
+        <p:grpSp>
+          <p:nvGrpSpPr>
+            <p:cNvPr id="23" name="组合 22"/>
+            <p:cNvGrpSpPr/>
+            <p:nvPr/>
+          </p:nvGrpSpPr>
+          <p:grpSpPr>
+            <a:xfrm>
+              <a:off x="1289" y="1741"/>
+              <a:ext cx="6238" cy="3204"/>
+              <a:chOff x="1073" y="1591"/>
+              <a:chExt cx="6238" cy="3204"/>
+            </a:xfrm>
+          </p:grpSpPr>
+          <p:sp>
+            <p:nvSpPr>
+              <p:cNvPr id="24" name="矩形 23"/>
+              <p:cNvSpPr/>
+              <p:nvPr/>
+            </p:nvSpPr>
+            <p:spPr>
+              <a:xfrm>
+                <a:off x="1073" y="1591"/>
+                <a:ext cx="6199" cy="3204"/>
+              </a:xfrm>
+              <a:prstGeom prst="rect">
+                <a:avLst/>
+              </a:prstGeom>
+            </p:spPr>
+            <p:style>
+              <a:lnRef idx="2">
+                <a:schemeClr val="dk1"/>
+              </a:lnRef>
+              <a:fillRef idx="1">
+                <a:schemeClr val="lt1"/>
+              </a:fillRef>
+              <a:effectRef idx="0">
+                <a:schemeClr val="dk1"/>
+              </a:effectRef>
+              <a:fontRef idx="minor">
+                <a:schemeClr val="dk1"/>
+              </a:fontRef>
+            </p:style>
+            <p:txBody>
+              <a:bodyPr rtlCol="0" anchor="ctr"/>
+              <a:p>
+                <a:pPr algn="ctr"/>
+                <a:endParaRPr lang="zh-CN" altLang="en-US" sz="1400"/>
+              </a:p>
+            </p:txBody>
+          </p:sp>
+          <p:cxnSp>
+            <p:nvCxnSpPr>
+              <p:cNvPr id="25" name="直接连接符 24"/>
+              <p:cNvCxnSpPr/>
+              <p:nvPr/>
+            </p:nvCxnSpPr>
+            <p:spPr>
+              <a:xfrm flipV="1">
+                <a:off x="1073" y="2059"/>
+                <a:ext cx="6238" cy="1"/>
+              </a:xfrm>
+              <a:prstGeom prst="line">
+                <a:avLst/>
+              </a:prstGeom>
+            </p:spPr>
+            <p:style>
+              <a:lnRef idx="1">
+                <a:schemeClr val="dk1"/>
+              </a:lnRef>
+              <a:fillRef idx="0">
+                <a:schemeClr val="dk1"/>
+              </a:fillRef>
+              <a:effectRef idx="0">
+                <a:schemeClr val="dk1"/>
+              </a:effectRef>
+              <a:fontRef idx="minor">
+                <a:schemeClr val="tx1"/>
+              </a:fontRef>
+            </p:style>
+          </p:cxnSp>
+        </p:grpSp>
+        <p:sp>
+          <p:nvSpPr>
+            <p:cNvPr id="26" name="文本框 25"/>
+            <p:cNvSpPr txBox="1"/>
+            <p:nvPr/>
+          </p:nvSpPr>
+          <p:spPr>
+            <a:xfrm>
+              <a:off x="3586" y="1788"/>
+              <a:ext cx="1606" cy="350"/>
+            </a:xfrm>
+            <a:prstGeom prst="rect">
+              <a:avLst/>
+            </a:prstGeom>
+            <a:noFill/>
+          </p:spPr>
+          <p:txBody>
+            <a:bodyPr wrap="square" rtlCol="0">
+              <a:spAutoFit/>
+            </a:bodyPr>
+            <a:p>
+              <a:pPr algn="ctr"/>
+              <a:r>
+                <a:rPr lang="zh-CN" altLang="en-US" sz="1400"/>
+                <a:t>视频信息</a:t>
+              </a:r>
+              <a:endParaRPr lang="zh-CN" altLang="en-US" sz="1400"/>
+            </a:p>
+          </p:txBody>
+        </p:sp>
+      </p:grpSp>
+      <p:sp>
+        <p:nvSpPr>
+          <p:cNvPr id="27" name="文本框 26"/>
+          <p:cNvSpPr txBox="1"/>
+          <p:nvPr/>
+        </p:nvSpPr>
+        <p:spPr>
+          <a:xfrm>
+            <a:off x="6795135" y="807720"/>
+            <a:ext cx="3566160" cy="1598295"/>
+          </a:xfrm>
+          <a:prstGeom prst="rect">
+            <a:avLst/>
+          </a:prstGeom>
+          <a:noFill/>
+        </p:spPr>
+        <p:txBody>
+          <a:bodyPr wrap="square" rtlCol="0">
+            <a:spAutoFit/>
+          </a:bodyPr>
+          <a:p>
+            <a:pPr>
+              <a:lnSpc>
+                <a:spcPct val="140000"/>
+              </a:lnSpc>
+            </a:pPr>
+            <a:r>
+              <a:rPr lang="zh-CN" altLang="en-US" sz="1400"/>
+              <a:t>文章编号：</a:t>
+            </a:r>
+            <a:r>
+              <a:rPr lang="en-US" altLang="zh-CN" sz="1400"/>
+              <a:t>Interger</a:t>
+            </a:r>
+            <a:endParaRPr lang="en-US" altLang="zh-CN" sz="1400"/>
+          </a:p>
+          <a:p>
+            <a:pPr>
+              <a:lnSpc>
+                <a:spcPct val="140000"/>
+              </a:lnSpc>
+            </a:pPr>
+            <a:r>
+              <a:rPr lang="zh-CN" altLang="en-US" sz="1400"/>
+              <a:t>简介：</a:t>
+            </a:r>
+            <a:r>
+              <a:rPr lang="en-US" altLang="zh-CN" sz="1400">
+                <a:sym typeface="+mn-ea"/>
+              </a:rPr>
+              <a:t>Variable characters(255)</a:t>
+            </a:r>
+            <a:endParaRPr lang="zh-CN" altLang="en-US" sz="1400"/>
+          </a:p>
+          <a:p>
+            <a:pPr>
+              <a:lnSpc>
+                <a:spcPct val="140000"/>
+              </a:lnSpc>
+            </a:pPr>
+            <a:r>
+              <a:rPr lang="zh-CN" altLang="en-US" sz="1400"/>
+              <a:t>文章内容：</a:t>
+            </a:r>
+            <a:r>
+              <a:rPr lang="en-US" altLang="zh-CN" sz="1400">
+                <a:sym typeface="+mn-ea"/>
+              </a:rPr>
+              <a:t>Variable characters(255)</a:t>
+            </a:r>
+            <a:endParaRPr lang="zh-CN" altLang="en-US" sz="1400"/>
+          </a:p>
+          <a:p>
+            <a:pPr>
+              <a:lnSpc>
+                <a:spcPct val="140000"/>
+              </a:lnSpc>
+            </a:pPr>
+            <a:r>
+              <a:rPr lang="zh-CN" altLang="en-US" sz="1400"/>
+              <a:t>发布状态：</a:t>
+            </a:r>
+            <a:r>
+              <a:rPr lang="en-US" altLang="zh-CN" sz="1400"/>
+              <a:t>Interger</a:t>
+            </a:r>
+            <a:endParaRPr lang="zh-CN" altLang="en-US" sz="1400"/>
+          </a:p>
+          <a:p>
+            <a:pPr>
+              <a:lnSpc>
+                <a:spcPct val="140000"/>
+              </a:lnSpc>
+            </a:pPr>
+            <a:r>
+              <a:rPr lang="zh-CN" altLang="en-US" sz="1400"/>
+              <a:t>文章封面：</a:t>
+            </a:r>
+            <a:r>
+              <a:rPr lang="en-US" altLang="zh-CN" sz="1400">
+                <a:sym typeface="+mn-ea"/>
+              </a:rPr>
+              <a:t>Variable characters(255)</a:t>
+            </a:r>
+            <a:endParaRPr lang="zh-CN" altLang="en-US" sz="1400"/>
+          </a:p>
+        </p:txBody>
+      </p:sp>
+      <p:cxnSp>
+        <p:nvCxnSpPr>
+          <p:cNvPr id="28" name="直接连接符 27"/>
+          <p:cNvCxnSpPr>
+            <a:stCxn id="2" idx="2"/>
+            <a:endCxn id="17" idx="0"/>
+          </p:cNvCxnSpPr>
+          <p:nvPr/>
+        </p:nvCxnSpPr>
+        <p:spPr>
+          <a:xfrm>
+            <a:off x="2404745" y="2314575"/>
+            <a:ext cx="121285" cy="1457960"/>
+          </a:xfrm>
+          <a:prstGeom prst="line">
+            <a:avLst/>
+          </a:prstGeom>
+        </p:spPr>
+        <p:style>
+          <a:lnRef idx="2">
+            <a:schemeClr val="dk1"/>
+          </a:lnRef>
+          <a:fillRef idx="0">
+            <a:schemeClr val="dk1"/>
+          </a:fillRef>
+          <a:effectRef idx="1">
+            <a:schemeClr val="dk1"/>
+          </a:effectRef>
+          <a:fontRef idx="minor">
+            <a:schemeClr val="tx1"/>
+          </a:fontRef>
+        </p:style>
+      </p:cxnSp>
+      <p:cxnSp>
+        <p:nvCxnSpPr>
+          <p:cNvPr id="29" name="直接连接符 28"/>
+          <p:cNvCxnSpPr>
+            <a:stCxn id="24" idx="1"/>
+            <a:endCxn id="15" idx="3"/>
+          </p:cNvCxnSpPr>
+          <p:nvPr/>
+        </p:nvCxnSpPr>
+        <p:spPr>
+          <a:xfrm flipH="1">
+            <a:off x="4188460" y="1642110"/>
+            <a:ext cx="2426970" cy="2999740"/>
+          </a:xfrm>
+          <a:prstGeom prst="line">
+            <a:avLst/>
+          </a:prstGeom>
+        </p:spPr>
+        <p:style>
+          <a:lnRef idx="2">
+            <a:schemeClr val="dk1"/>
+          </a:lnRef>
+          <a:fillRef idx="0">
+            <a:schemeClr val="dk1"/>
+          </a:fillRef>
+          <a:effectRef idx="1">
+            <a:schemeClr val="dk1"/>
+          </a:effectRef>
+          <a:fontRef idx="minor">
+            <a:schemeClr val="tx1"/>
+          </a:fontRef>
+        </p:style>
+      </p:cxnSp>
+      <p:cxnSp>
+        <p:nvCxnSpPr>
+          <p:cNvPr id="30" name="直接连接符 29"/>
+          <p:cNvCxnSpPr>
+            <a:stCxn id="9" idx="1"/>
+            <a:endCxn id="15" idx="3"/>
+          </p:cNvCxnSpPr>
+          <p:nvPr/>
+        </p:nvCxnSpPr>
+        <p:spPr>
+          <a:xfrm flipH="1" flipV="1">
+            <a:off x="4188460" y="4641850"/>
+            <a:ext cx="2606675" cy="339725"/>
+          </a:xfrm>
+          <a:prstGeom prst="line">
+            <a:avLst/>
+          </a:prstGeom>
+        </p:spPr>
+        <p:style>
+          <a:lnRef idx="2">
+            <a:schemeClr val="dk1"/>
+          </a:lnRef>
+          <a:fillRef idx="0">
+            <a:schemeClr val="dk1"/>
+          </a:fillRef>
+          <a:effectRef idx="1">
+            <a:schemeClr val="dk1"/>
+          </a:effectRef>
+          <a:fontRef idx="minor">
+            <a:schemeClr val="tx1"/>
+          </a:fontRef>
+        </p:style>
+      </p:cxnSp>
+    </p:spTree>
+  </p:cSld>
+  <p:clrMapOvr>
+    <a:masterClrMapping/>
+  </p:clrMapOvr>
+</p:sld>
+</file>
+
+<file path=ppt/slides/slide2.xml><?xml version="1.0" encoding="utf-8"?>
+<p:sld xmlns:a="http://schemas.openxmlformats.org/drawingml/2006/main" xmlns:r="http://schemas.openxmlformats.org/officeDocument/2006/relationships" xmlns:p="http://schemas.openxmlformats.org/presentationml/2006/main">
+  <p:cSld>
+    <p:spTree>
+      <p:nvGrpSpPr>
+        <p:cNvPr id="1" name=""/>
+        <p:cNvGrpSpPr/>
+        <p:nvPr/>
+      </p:nvGrpSpPr>
+      <p:grpSpPr/>
+      <p:pic>
+        <p:nvPicPr>
+          <p:cNvPr id="-2147482611" name="内容占位符 -2147482612"/>
+          <p:cNvPicPr>
+            <a:picLocks noChangeAspect="1"/>
+          </p:cNvPicPr>
+          <p:nvPr>
+            <p:ph idx="1"/>
+          </p:nvPr>
+        </p:nvPicPr>
+        <p:blipFill>
+          <a:blip r:embed="rId1"/>
+          <a:stretch>
+            <a:fillRect/>
+          </a:stretch>
+        </p:blipFill>
+        <p:spPr>
+          <a:xfrm>
+            <a:off x="1599565" y="577850"/>
+            <a:ext cx="8802370" cy="5288280"/>
+          </a:xfrm>
+          <a:prstGeom prst="rect">
+            <a:avLst/>
+          </a:prstGeom>
+          <a:noFill/>
+          <a:ln w="9525">
+            <a:noFill/>
+          </a:ln>
+        </p:spPr>
+      </p:pic>
     </p:spTree>
   </p:cSld>
   <p:clrMapOvr>
